--- a/Fodor_MLP.pptx
+++ b/Fodor_MLP.pptx
@@ -213,7 +213,7 @@
           <a:p>
             <a:fld id="{6D499CBC-654A-40AD-98BF-7BBF0B8CEB46}" type="datetimeFigureOut">
               <a:rPr lang="sk-SK" smtClean="0"/>
-              <a:t>21.04.2019</a:t>
+              <a:t>08.05.2019</a:t>
             </a:fld>
             <a:endParaRPr lang="sk-SK"/>
           </a:p>
@@ -669,7 +669,7 @@
           <a:p>
             <a:fld id="{7090129B-2A58-4BFA-8FCA-5B2D7406DD56}" type="datetime1">
               <a:rPr lang="en-US" smtClean="0"/>
-              <a:t>4/21/2019</a:t>
+              <a:t>5/8/2019</a:t>
             </a:fld>
             <a:endParaRPr lang="en-US" dirty="0"/>
           </a:p>
@@ -810,13 +810,13 @@
   <p:clrMapOvr>
     <a:masterClrMapping/>
   </p:clrMapOvr>
-  <mc:AlternateContent xmlns:mc="http://schemas.openxmlformats.org/markup-compatibility/2006">
-    <mc:Choice xmlns:p14="http://schemas.microsoft.com/office/powerpoint/2010/main" Requires="p14">
+  <mc:AlternateContent xmlns:mc="http://schemas.openxmlformats.org/markup-compatibility/2006" xmlns:p14="http://schemas.microsoft.com/office/powerpoint/2010/main">
+    <mc:Choice Requires="p14">
       <p:transition spd="slow" p14:dur="1600">
         <p14:gallery dir="l"/>
       </p:transition>
     </mc:Choice>
-    <mc:Fallback>
+    <mc:Fallback xmlns="">
       <p:transition spd="slow">
         <p:fade/>
       </p:transition>
@@ -1015,7 +1015,7 @@
           <a:p>
             <a:fld id="{4EF5B093-D1FC-47A8-90AC-3D862AFD300B}" type="datetime1">
               <a:rPr lang="en-US" smtClean="0"/>
-              <a:t>4/21/2019</a:t>
+              <a:t>5/8/2019</a:t>
             </a:fld>
             <a:endParaRPr lang="en-US" dirty="0"/>
           </a:p>
@@ -1156,13 +1156,13 @@
   <p:clrMapOvr>
     <a:masterClrMapping/>
   </p:clrMapOvr>
-  <mc:AlternateContent xmlns:mc="http://schemas.openxmlformats.org/markup-compatibility/2006">
-    <mc:Choice xmlns:p14="http://schemas.microsoft.com/office/powerpoint/2010/main" Requires="p14">
+  <mc:AlternateContent xmlns:mc="http://schemas.openxmlformats.org/markup-compatibility/2006" xmlns:p14="http://schemas.microsoft.com/office/powerpoint/2010/main">
+    <mc:Choice Requires="p14">
       <p:transition spd="slow" p14:dur="1600">
         <p14:gallery dir="l"/>
       </p:transition>
     </mc:Choice>
-    <mc:Fallback>
+    <mc:Fallback xmlns="">
       <p:transition spd="slow">
         <p:fade/>
       </p:transition>
@@ -1424,7 +1424,7 @@
           <a:p>
             <a:fld id="{A0BCD7F4-A188-4DD3-82B6-425588D17A3E}" type="datetime1">
               <a:rPr lang="en-US" smtClean="0"/>
-              <a:t>4/21/2019</a:t>
+              <a:t>5/8/2019</a:t>
             </a:fld>
             <a:endParaRPr lang="en-US" dirty="0"/>
           </a:p>
@@ -1641,13 +1641,13 @@
   <p:clrMapOvr>
     <a:masterClrMapping/>
   </p:clrMapOvr>
-  <mc:AlternateContent xmlns:mc="http://schemas.openxmlformats.org/markup-compatibility/2006">
-    <mc:Choice xmlns:p14="http://schemas.microsoft.com/office/powerpoint/2010/main" Requires="p14">
+  <mc:AlternateContent xmlns:mc="http://schemas.openxmlformats.org/markup-compatibility/2006" xmlns:p14="http://schemas.microsoft.com/office/powerpoint/2010/main">
+    <mc:Choice Requires="p14">
       <p:transition spd="slow" p14:dur="1600">
         <p14:gallery dir="l"/>
       </p:transition>
     </mc:Choice>
-    <mc:Fallback>
+    <mc:Fallback xmlns="">
       <p:transition spd="slow">
         <p:fade/>
       </p:transition>
@@ -1768,7 +1768,7 @@
           <a:p>
             <a:fld id="{5D2EE050-4564-429E-A1A0-6F1302C468B0}" type="datetime1">
               <a:rPr lang="en-US" smtClean="0"/>
-              <a:t>4/21/2019</a:t>
+              <a:t>5/8/2019</a:t>
             </a:fld>
             <a:endParaRPr lang="en-US" dirty="0"/>
           </a:p>
@@ -1909,13 +1909,13 @@
   <p:clrMapOvr>
     <a:masterClrMapping/>
   </p:clrMapOvr>
-  <mc:AlternateContent xmlns:mc="http://schemas.openxmlformats.org/markup-compatibility/2006">
-    <mc:Choice xmlns:p14="http://schemas.microsoft.com/office/powerpoint/2010/main" Requires="p14">
+  <mc:AlternateContent xmlns:mc="http://schemas.openxmlformats.org/markup-compatibility/2006" xmlns:p14="http://schemas.microsoft.com/office/powerpoint/2010/main">
+    <mc:Choice Requires="p14">
       <p:transition spd="slow" p14:dur="1600">
         <p14:gallery dir="l"/>
       </p:transition>
     </mc:Choice>
-    <mc:Fallback>
+    <mc:Fallback xmlns="">
       <p:transition spd="slow">
         <p:fade/>
       </p:transition>
@@ -2096,7 +2096,7 @@
           <a:p>
             <a:fld id="{BC8EB92C-8CC2-44A9-BD56-3879D457C794}" type="datetime1">
               <a:rPr lang="en-US" smtClean="0"/>
-              <a:t>4/21/2019</a:t>
+              <a:t>5/8/2019</a:t>
             </a:fld>
             <a:endParaRPr lang="en-US" dirty="0"/>
           </a:p>
@@ -2313,13 +2313,13 @@
   <p:clrMapOvr>
     <a:masterClrMapping/>
   </p:clrMapOvr>
-  <mc:AlternateContent xmlns:mc="http://schemas.openxmlformats.org/markup-compatibility/2006">
-    <mc:Choice xmlns:p14="http://schemas.microsoft.com/office/powerpoint/2010/main" Requires="p14">
+  <mc:AlternateContent xmlns:mc="http://schemas.openxmlformats.org/markup-compatibility/2006" xmlns:p14="http://schemas.microsoft.com/office/powerpoint/2010/main">
+    <mc:Choice Requires="p14">
       <p:transition spd="slow" p14:dur="1600">
         <p14:gallery dir="l"/>
       </p:transition>
     </mc:Choice>
-    <mc:Fallback>
+    <mc:Fallback xmlns="">
       <p:transition spd="slow">
         <p:fade/>
       </p:transition>
@@ -2500,7 +2500,7 @@
           <a:p>
             <a:fld id="{12BC5242-FE92-429E-B669-71C377F7DEEB}" type="datetime1">
               <a:rPr lang="en-US" smtClean="0"/>
-              <a:t>4/21/2019</a:t>
+              <a:t>5/8/2019</a:t>
             </a:fld>
             <a:endParaRPr lang="en-US" dirty="0"/>
           </a:p>
@@ -2641,13 +2641,13 @@
   <p:clrMapOvr>
     <a:masterClrMapping/>
   </p:clrMapOvr>
-  <mc:AlternateContent xmlns:mc="http://schemas.openxmlformats.org/markup-compatibility/2006">
-    <mc:Choice xmlns:p14="http://schemas.microsoft.com/office/powerpoint/2010/main" Requires="p14">
+  <mc:AlternateContent xmlns:mc="http://schemas.openxmlformats.org/markup-compatibility/2006" xmlns:p14="http://schemas.microsoft.com/office/powerpoint/2010/main">
+    <mc:Choice Requires="p14">
       <p:transition spd="slow" p14:dur="1600">
         <p14:gallery dir="l"/>
       </p:transition>
     </mc:Choice>
-    <mc:Fallback>
+    <mc:Fallback xmlns="">
       <p:transition spd="slow">
         <p:fade/>
       </p:transition>
@@ -2765,7 +2765,7 @@
           <a:p>
             <a:fld id="{AECE954A-6E9C-4E12-AA00-13CDF25D9D68}" type="datetime1">
               <a:rPr lang="en-US" smtClean="0"/>
-              <a:t>4/21/2019</a:t>
+              <a:t>5/8/2019</a:t>
             </a:fld>
             <a:endParaRPr lang="en-US" dirty="0"/>
           </a:p>
@@ -2901,13 +2901,13 @@
   <p:clrMapOvr>
     <a:masterClrMapping/>
   </p:clrMapOvr>
-  <mc:AlternateContent xmlns:mc="http://schemas.openxmlformats.org/markup-compatibility/2006">
-    <mc:Choice xmlns:p14="http://schemas.microsoft.com/office/powerpoint/2010/main" Requires="p14">
+  <mc:AlternateContent xmlns:mc="http://schemas.openxmlformats.org/markup-compatibility/2006" xmlns:p14="http://schemas.microsoft.com/office/powerpoint/2010/main">
+    <mc:Choice Requires="p14">
       <p:transition spd="slow" p14:dur="1600">
         <p14:gallery dir="l"/>
       </p:transition>
     </mc:Choice>
-    <mc:Fallback>
+    <mc:Fallback xmlns="">
       <p:transition spd="slow">
         <p:fade/>
       </p:transition>
@@ -3035,7 +3035,7 @@
           <a:p>
             <a:fld id="{6BC63ABD-8BB6-4C29-80D4-9F32A50D92B0}" type="datetime1">
               <a:rPr lang="en-US" smtClean="0"/>
-              <a:t>4/21/2019</a:t>
+              <a:t>5/8/2019</a:t>
             </a:fld>
             <a:endParaRPr lang="en-US" dirty="0"/>
           </a:p>
@@ -3171,13 +3171,13 @@
   <p:clrMapOvr>
     <a:masterClrMapping/>
   </p:clrMapOvr>
-  <mc:AlternateContent xmlns:mc="http://schemas.openxmlformats.org/markup-compatibility/2006">
-    <mc:Choice xmlns:p14="http://schemas.microsoft.com/office/powerpoint/2010/main" Requires="p14">
+  <mc:AlternateContent xmlns:mc="http://schemas.openxmlformats.org/markup-compatibility/2006" xmlns:p14="http://schemas.microsoft.com/office/powerpoint/2010/main">
+    <mc:Choice Requires="p14">
       <p:transition spd="slow" p14:dur="1600">
         <p14:gallery dir="l"/>
       </p:transition>
     </mc:Choice>
-    <mc:Fallback>
+    <mc:Fallback xmlns="">
       <p:transition spd="slow">
         <p:fade/>
       </p:transition>
@@ -3305,7 +3305,7 @@
           <a:p>
             <a:fld id="{1E8E0E3F-6AD3-4A47-B9D6-7C5144D44017}" type="datetime1">
               <a:rPr lang="en-US" smtClean="0"/>
-              <a:t>4/21/2019</a:t>
+              <a:t>5/8/2019</a:t>
             </a:fld>
             <a:endParaRPr lang="en-US" dirty="0"/>
           </a:p>
@@ -3441,13 +3441,13 @@
   <p:clrMapOvr>
     <a:masterClrMapping/>
   </p:clrMapOvr>
-  <mc:AlternateContent xmlns:mc="http://schemas.openxmlformats.org/markup-compatibility/2006">
-    <mc:Choice xmlns:p14="http://schemas.microsoft.com/office/powerpoint/2010/main" Requires="p14">
+  <mc:AlternateContent xmlns:mc="http://schemas.openxmlformats.org/markup-compatibility/2006" xmlns:p14="http://schemas.microsoft.com/office/powerpoint/2010/main">
+    <mc:Choice Requires="p14">
       <p:transition spd="slow" p14:dur="1600">
         <p14:gallery dir="l"/>
       </p:transition>
     </mc:Choice>
-    <mc:Fallback>
+    <mc:Fallback xmlns="">
       <p:transition spd="slow">
         <p:fade/>
       </p:transition>
@@ -3642,7 +3642,7 @@
           <a:p>
             <a:fld id="{9FCBC261-5031-4D73-BC64-B77F36DB0299}" type="datetime1">
               <a:rPr lang="en-US" smtClean="0"/>
-              <a:t>4/21/2019</a:t>
+              <a:t>5/8/2019</a:t>
             </a:fld>
             <a:endParaRPr lang="en-US" dirty="0"/>
           </a:p>
@@ -3783,13 +3783,13 @@
   <p:clrMapOvr>
     <a:masterClrMapping/>
   </p:clrMapOvr>
-  <mc:AlternateContent xmlns:mc="http://schemas.openxmlformats.org/markup-compatibility/2006">
-    <mc:Choice xmlns:p14="http://schemas.microsoft.com/office/powerpoint/2010/main" Requires="p14">
+  <mc:AlternateContent xmlns:mc="http://schemas.openxmlformats.org/markup-compatibility/2006" xmlns:p14="http://schemas.microsoft.com/office/powerpoint/2010/main">
+    <mc:Choice Requires="p14">
       <p:transition spd="slow" p14:dur="1600">
         <p14:gallery dir="l"/>
       </p:transition>
     </mc:Choice>
-    <mc:Fallback>
+    <mc:Fallback xmlns="">
       <p:transition spd="slow">
         <p:fade/>
       </p:transition>
@@ -3973,7 +3973,7 @@
           <a:p>
             <a:fld id="{88E9CCDD-0D20-4415-B99C-0CDF2580EA9B}" type="datetime1">
               <a:rPr lang="en-US" smtClean="0"/>
-              <a:t>4/21/2019</a:t>
+              <a:t>5/8/2019</a:t>
             </a:fld>
             <a:endParaRPr lang="en-US" dirty="0"/>
           </a:p>
@@ -4114,13 +4114,13 @@
   <p:clrMapOvr>
     <a:masterClrMapping/>
   </p:clrMapOvr>
-  <mc:AlternateContent xmlns:mc="http://schemas.openxmlformats.org/markup-compatibility/2006">
-    <mc:Choice xmlns:p14="http://schemas.microsoft.com/office/powerpoint/2010/main" Requires="p14">
+  <mc:AlternateContent xmlns:mc="http://schemas.openxmlformats.org/markup-compatibility/2006" xmlns:p14="http://schemas.microsoft.com/office/powerpoint/2010/main">
+    <mc:Choice Requires="p14">
       <p:transition spd="slow" p14:dur="1600">
         <p14:gallery dir="l"/>
       </p:transition>
     </mc:Choice>
-    <mc:Fallback>
+    <mc:Fallback xmlns="">
       <p:transition spd="slow">
         <p:fade/>
       </p:transition>
@@ -4438,7 +4438,7 @@
           <a:p>
             <a:fld id="{9A7358D5-E093-4B11-8579-D5AA49E61077}" type="datetime1">
               <a:rPr lang="en-US" smtClean="0"/>
-              <a:t>4/21/2019</a:t>
+              <a:t>5/8/2019</a:t>
             </a:fld>
             <a:endParaRPr lang="en-US" dirty="0"/>
           </a:p>
@@ -4579,13 +4579,13 @@
   <p:clrMapOvr>
     <a:masterClrMapping/>
   </p:clrMapOvr>
-  <mc:AlternateContent xmlns:mc="http://schemas.openxmlformats.org/markup-compatibility/2006">
-    <mc:Choice xmlns:p14="http://schemas.microsoft.com/office/powerpoint/2010/main" Requires="p14">
+  <mc:AlternateContent xmlns:mc="http://schemas.openxmlformats.org/markup-compatibility/2006" xmlns:p14="http://schemas.microsoft.com/office/powerpoint/2010/main">
+    <mc:Choice Requires="p14">
       <p:transition spd="slow" p14:dur="1600">
         <p14:gallery dir="l"/>
       </p:transition>
     </mc:Choice>
-    <mc:Fallback>
+    <mc:Fallback xmlns="">
       <p:transition spd="slow">
         <p:fade/>
       </p:transition>
@@ -4651,7 +4651,7 @@
           <a:p>
             <a:fld id="{8AEF833E-E349-45EC-B5C1-893E0872C741}" type="datetime1">
               <a:rPr lang="en-US" smtClean="0"/>
-              <a:t>4/21/2019</a:t>
+              <a:t>5/8/2019</a:t>
             </a:fld>
             <a:endParaRPr lang="en-US" dirty="0"/>
           </a:p>
@@ -4787,13 +4787,13 @@
   <p:clrMapOvr>
     <a:masterClrMapping/>
   </p:clrMapOvr>
-  <mc:AlternateContent xmlns:mc="http://schemas.openxmlformats.org/markup-compatibility/2006">
-    <mc:Choice xmlns:p14="http://schemas.microsoft.com/office/powerpoint/2010/main" Requires="p14">
+  <mc:AlternateContent xmlns:mc="http://schemas.openxmlformats.org/markup-compatibility/2006" xmlns:p14="http://schemas.microsoft.com/office/powerpoint/2010/main">
+    <mc:Choice Requires="p14">
       <p:transition spd="slow" p14:dur="1600">
         <p14:gallery dir="l"/>
       </p:transition>
     </mc:Choice>
-    <mc:Fallback>
+    <mc:Fallback xmlns="">
       <p:transition spd="slow">
         <p:fade/>
       </p:transition>
@@ -4836,7 +4836,7 @@
           <a:p>
             <a:fld id="{A9350B84-8E21-4CE0-B58A-3A89AFBCB35B}" type="datetime1">
               <a:rPr lang="en-US" smtClean="0"/>
-              <a:t>4/21/2019</a:t>
+              <a:t>5/8/2019</a:t>
             </a:fld>
             <a:endParaRPr lang="en-US" dirty="0"/>
           </a:p>
@@ -4972,13 +4972,13 @@
   <p:clrMapOvr>
     <a:masterClrMapping/>
   </p:clrMapOvr>
-  <mc:AlternateContent xmlns:mc="http://schemas.openxmlformats.org/markup-compatibility/2006">
-    <mc:Choice xmlns:p14="http://schemas.microsoft.com/office/powerpoint/2010/main" Requires="p14">
+  <mc:AlternateContent xmlns:mc="http://schemas.openxmlformats.org/markup-compatibility/2006" xmlns:p14="http://schemas.microsoft.com/office/powerpoint/2010/main">
+    <mc:Choice Requires="p14">
       <p:transition spd="slow" p14:dur="1600">
         <p14:gallery dir="l"/>
       </p:transition>
     </mc:Choice>
-    <mc:Fallback>
+    <mc:Fallback xmlns="">
       <p:transition spd="slow">
         <p:fade/>
       </p:transition>
@@ -5177,7 +5177,7 @@
           <a:p>
             <a:fld id="{5E429106-F717-46A7-BD01-051BF1A8C61C}" type="datetime1">
               <a:rPr lang="en-US" smtClean="0"/>
-              <a:t>4/21/2019</a:t>
+              <a:t>5/8/2019</a:t>
             </a:fld>
             <a:endParaRPr lang="en-US" dirty="0"/>
           </a:p>
@@ -5313,13 +5313,13 @@
   <p:clrMapOvr>
     <a:masterClrMapping/>
   </p:clrMapOvr>
-  <mc:AlternateContent xmlns:mc="http://schemas.openxmlformats.org/markup-compatibility/2006">
-    <mc:Choice xmlns:p14="http://schemas.microsoft.com/office/powerpoint/2010/main" Requires="p14">
+  <mc:AlternateContent xmlns:mc="http://schemas.openxmlformats.org/markup-compatibility/2006" xmlns:p14="http://schemas.microsoft.com/office/powerpoint/2010/main">
+    <mc:Choice Requires="p14">
       <p:transition spd="slow" p14:dur="1600">
         <p14:gallery dir="l"/>
       </p:transition>
     </mc:Choice>
-    <mc:Fallback>
+    <mc:Fallback xmlns="">
       <p:transition spd="slow">
         <p:fade/>
       </p:transition>
@@ -5530,7 +5530,7 @@
           <a:p>
             <a:fld id="{7C320C8F-EAB4-4BE1-B08E-FF562389FCA6}" type="datetime1">
               <a:rPr lang="en-US" smtClean="0"/>
-              <a:t>4/21/2019</a:t>
+              <a:t>5/8/2019</a:t>
             </a:fld>
             <a:endParaRPr lang="en-US" dirty="0"/>
           </a:p>
@@ -5671,13 +5671,13 @@
   <p:clrMapOvr>
     <a:masterClrMapping/>
   </p:clrMapOvr>
-  <mc:AlternateContent xmlns:mc="http://schemas.openxmlformats.org/markup-compatibility/2006">
-    <mc:Choice xmlns:p14="http://schemas.microsoft.com/office/powerpoint/2010/main" Requires="p14">
+  <mc:AlternateContent xmlns:mc="http://schemas.openxmlformats.org/markup-compatibility/2006" xmlns:p14="http://schemas.microsoft.com/office/powerpoint/2010/main">
+    <mc:Choice Requires="p14">
       <p:transition spd="slow" p14:dur="1600">
         <p14:gallery dir="l"/>
       </p:transition>
     </mc:Choice>
-    <mc:Fallback>
+    <mc:Fallback xmlns="">
       <p:transition spd="slow">
         <p:fade/>
       </p:transition>
@@ -7655,7 +7655,7 @@
           <a:p>
             <a:fld id="{AFDAD331-AA0F-4CD5-B7F5-41F227DD4CBA}" type="datetime1">
               <a:rPr lang="en-US" smtClean="0"/>
-              <a:t>4/21/2019</a:t>
+              <a:t>5/8/2019</a:t>
             </a:fld>
             <a:endParaRPr lang="en-US" dirty="0"/>
           </a:p>
@@ -7759,13 +7759,13 @@
     <p:sldLayoutId id="2147483658" r:id="rId15"/>
     <p:sldLayoutId id="2147483659" r:id="rId16"/>
   </p:sldLayoutIdLst>
-  <mc:AlternateContent xmlns:mc="http://schemas.openxmlformats.org/markup-compatibility/2006">
-    <mc:Choice xmlns:p14="http://schemas.microsoft.com/office/powerpoint/2010/main" Requires="p14">
+  <mc:AlternateContent xmlns:mc="http://schemas.openxmlformats.org/markup-compatibility/2006" xmlns:p14="http://schemas.microsoft.com/office/powerpoint/2010/main">
+    <mc:Choice Requires="p14">
       <p:transition spd="slow" p14:dur="1600">
         <p14:gallery dir="l"/>
       </p:transition>
     </mc:Choice>
-    <mc:Fallback>
+    <mc:Fallback xmlns="">
       <p:transition spd="slow">
         <p:fade/>
       </p:transition>
@@ -8331,13 +8331,13 @@
   <p:clrMapOvr>
     <a:masterClrMapping/>
   </p:clrMapOvr>
-  <mc:AlternateContent xmlns:mc="http://schemas.openxmlformats.org/markup-compatibility/2006">
-    <mc:Choice xmlns:p14="http://schemas.microsoft.com/office/powerpoint/2010/main" Requires="p14">
+  <mc:AlternateContent xmlns:mc="http://schemas.openxmlformats.org/markup-compatibility/2006" xmlns:p14="http://schemas.microsoft.com/office/powerpoint/2010/main">
+    <mc:Choice Requires="p14">
       <p:transition spd="slow" p14:dur="1600">
         <p14:gallery dir="l"/>
       </p:transition>
     </mc:Choice>
-    <mc:Fallback>
+    <mc:Fallback xmlns="">
       <p:transition spd="slow">
         <p:fade/>
       </p:transition>
@@ -8550,13 +8550,13 @@
   <p:clrMapOvr>
     <a:masterClrMapping/>
   </p:clrMapOvr>
-  <mc:AlternateContent xmlns:mc="http://schemas.openxmlformats.org/markup-compatibility/2006">
-    <mc:Choice xmlns:p14="http://schemas.microsoft.com/office/powerpoint/2010/main" Requires="p14">
+  <mc:AlternateContent xmlns:mc="http://schemas.openxmlformats.org/markup-compatibility/2006" xmlns:p14="http://schemas.microsoft.com/office/powerpoint/2010/main">
+    <mc:Choice Requires="p14">
       <p:transition spd="slow" p14:dur="1600">
         <p14:gallery dir="l"/>
       </p:transition>
     </mc:Choice>
-    <mc:Fallback>
+    <mc:Fallback xmlns="">
       <p:transition spd="slow">
         <p:fade/>
       </p:transition>
@@ -8728,13 +8728,13 @@
   <p:clrMapOvr>
     <a:masterClrMapping/>
   </p:clrMapOvr>
-  <mc:AlternateContent xmlns:mc="http://schemas.openxmlformats.org/markup-compatibility/2006">
-    <mc:Choice xmlns:p14="http://schemas.microsoft.com/office/powerpoint/2010/main" Requires="p14">
+  <mc:AlternateContent xmlns:mc="http://schemas.openxmlformats.org/markup-compatibility/2006" xmlns:p14="http://schemas.microsoft.com/office/powerpoint/2010/main">
+    <mc:Choice Requires="p14">
       <p:transition spd="slow" p14:dur="1600">
         <p14:gallery dir="l"/>
       </p:transition>
     </mc:Choice>
-    <mc:Fallback>
+    <mc:Fallback xmlns="">
       <p:transition spd="slow">
         <p:fade/>
       </p:transition>
@@ -8950,13 +8950,13 @@
   <p:clrMapOvr>
     <a:masterClrMapping/>
   </p:clrMapOvr>
-  <mc:AlternateContent xmlns:mc="http://schemas.openxmlformats.org/markup-compatibility/2006">
-    <mc:Choice xmlns:p14="http://schemas.microsoft.com/office/powerpoint/2010/main" Requires="p14">
+  <mc:AlternateContent xmlns:mc="http://schemas.openxmlformats.org/markup-compatibility/2006" xmlns:p14="http://schemas.microsoft.com/office/powerpoint/2010/main">
+    <mc:Choice Requires="p14">
       <p:transition spd="slow" p14:dur="1600">
         <p14:gallery dir="l"/>
       </p:transition>
     </mc:Choice>
-    <mc:Fallback>
+    <mc:Fallback xmlns="">
       <p:transition spd="slow">
         <p:fade/>
       </p:transition>
@@ -9163,13 +9163,13 @@
   <p:clrMapOvr>
     <a:masterClrMapping/>
   </p:clrMapOvr>
-  <mc:AlternateContent xmlns:mc="http://schemas.openxmlformats.org/markup-compatibility/2006">
-    <mc:Choice xmlns:p14="http://schemas.microsoft.com/office/powerpoint/2010/main" Requires="p14">
+  <mc:AlternateContent xmlns:mc="http://schemas.openxmlformats.org/markup-compatibility/2006" xmlns:p14="http://schemas.microsoft.com/office/powerpoint/2010/main">
+    <mc:Choice Requires="p14">
       <p:transition spd="slow" p14:dur="1600">
         <p14:gallery dir="l"/>
       </p:transition>
     </mc:Choice>
-    <mc:Fallback>
+    <mc:Fallback xmlns="">
       <p:transition spd="slow">
         <p:fade/>
       </p:transition>
@@ -9386,13 +9386,13 @@
   <p:clrMapOvr>
     <a:masterClrMapping/>
   </p:clrMapOvr>
-  <mc:AlternateContent xmlns:mc="http://schemas.openxmlformats.org/markup-compatibility/2006">
-    <mc:Choice xmlns:p14="http://schemas.microsoft.com/office/powerpoint/2010/main" Requires="p14">
+  <mc:AlternateContent xmlns:mc="http://schemas.openxmlformats.org/markup-compatibility/2006" xmlns:p14="http://schemas.microsoft.com/office/powerpoint/2010/main">
+    <mc:Choice Requires="p14">
       <p:transition spd="slow" p14:dur="1600">
         <p14:gallery dir="l"/>
       </p:transition>
     </mc:Choice>
-    <mc:Fallback>
+    <mc:Fallback xmlns="">
       <p:transition spd="slow">
         <p:fade/>
       </p:transition>
@@ -9537,13 +9537,13 @@
   <p:clrMapOvr>
     <a:masterClrMapping/>
   </p:clrMapOvr>
-  <mc:AlternateContent xmlns:mc="http://schemas.openxmlformats.org/markup-compatibility/2006">
-    <mc:Choice xmlns:p14="http://schemas.microsoft.com/office/powerpoint/2010/main" Requires="p14">
+  <mc:AlternateContent xmlns:mc="http://schemas.openxmlformats.org/markup-compatibility/2006" xmlns:p14="http://schemas.microsoft.com/office/powerpoint/2010/main">
+    <mc:Choice Requires="p14">
       <p:transition spd="slow" p14:dur="1600">
         <p14:gallery dir="l"/>
       </p:transition>
     </mc:Choice>
-    <mc:Fallback>
+    <mc:Fallback xmlns="">
       <p:transition spd="slow">
         <p:fade/>
       </p:transition>
@@ -9643,13 +9643,13 @@
   <p:clrMapOvr>
     <a:masterClrMapping/>
   </p:clrMapOvr>
-  <mc:AlternateContent xmlns:mc="http://schemas.openxmlformats.org/markup-compatibility/2006">
-    <mc:Choice xmlns:p14="http://schemas.microsoft.com/office/powerpoint/2010/main" Requires="p14">
+  <mc:AlternateContent xmlns:mc="http://schemas.openxmlformats.org/markup-compatibility/2006" xmlns:p14="http://schemas.microsoft.com/office/powerpoint/2010/main">
+    <mc:Choice Requires="p14">
       <p:transition spd="slow" p14:dur="1600">
         <p14:gallery dir="l"/>
       </p:transition>
     </mc:Choice>
-    <mc:Fallback>
+    <mc:Fallback xmlns="">
       <p:transition spd="slow">
         <p:fade/>
       </p:transition>
@@ -9734,7 +9734,85 @@
             </a:r>
             <a:r>
               <a:rPr lang="sk-SK" dirty="0"/>
-              <a:t>. [cit. 20-04-2019]. Dostupné na &lt;https://medium.com/@annishared/build-your-first-neural-network-in-python-c80c1afa464&gt;.</a:t>
+              <a:t>. [cit. 20-04-2019]. Dostupné na: &lt;https://medium.com/@annishared/build-your-first-neural-network-in-python-c80c1afa464&gt;.</a:t>
+            </a:r>
+          </a:p>
+          <a:p>
+            <a:r>
+              <a:rPr lang="sk-SK" dirty="0" err="1"/>
+              <a:t>Seaborn</a:t>
+            </a:r>
+            <a:r>
+              <a:rPr lang="sk-SK" dirty="0"/>
+              <a:t> </a:t>
+            </a:r>
+            <a:r>
+              <a:rPr lang="sk-SK" dirty="0" err="1"/>
+              <a:t>Documentation</a:t>
+            </a:r>
+            <a:r>
+              <a:rPr lang="sk-SK" dirty="0"/>
+              <a:t>. [cit. 20-04-2019]. Dostupné na: &lt;https://seaborn.pydata.org/&gt;.</a:t>
+            </a:r>
+          </a:p>
+          <a:p>
+            <a:r>
+              <a:rPr lang="sk-SK" dirty="0" err="1"/>
+              <a:t>Scikit</a:t>
+            </a:r>
+            <a:r>
+              <a:rPr lang="sk-SK" dirty="0"/>
+              <a:t> </a:t>
+            </a:r>
+            <a:r>
+              <a:rPr lang="sk-SK" dirty="0" err="1"/>
+              <a:t>Learn</a:t>
+            </a:r>
+            <a:r>
+              <a:rPr lang="sk-SK" dirty="0"/>
+              <a:t>. </a:t>
+            </a:r>
+            <a:r>
+              <a:rPr lang="sk-SK" dirty="0" err="1"/>
+              <a:t>Neural</a:t>
+            </a:r>
+            <a:r>
+              <a:rPr lang="sk-SK" dirty="0"/>
+              <a:t> </a:t>
+            </a:r>
+            <a:r>
+              <a:rPr lang="sk-SK" dirty="0" err="1"/>
+              <a:t>Network</a:t>
+            </a:r>
+            <a:r>
+              <a:rPr lang="sk-SK" dirty="0"/>
+              <a:t> Models (</a:t>
+            </a:r>
+            <a:r>
+              <a:rPr lang="sk-SK" dirty="0" err="1"/>
+              <a:t>supervised</a:t>
+            </a:r>
+            <a:r>
+              <a:rPr lang="sk-SK" dirty="0"/>
+              <a:t>). [cit. 20-04-2019]. Dostupné na: &lt;https://scikit-learn.org/stable/modules/neural_networks_supervised.html&gt;.</a:t>
+            </a:r>
+          </a:p>
+          <a:p>
+            <a:r>
+              <a:rPr lang="sk-SK" dirty="0" err="1"/>
+              <a:t>Pandas</a:t>
+            </a:r>
+            <a:r>
+              <a:rPr lang="sk-SK" dirty="0"/>
+              <a:t> </a:t>
+            </a:r>
+            <a:r>
+              <a:rPr lang="sk-SK" dirty="0" err="1"/>
+              <a:t>Documentation</a:t>
+            </a:r>
+            <a:r>
+              <a:rPr lang="sk-SK" dirty="0"/>
+              <a:t>. [cit. 20-04-2019]. Dostupné na: &lt;https://pandas.pydata.org/pandas-docs/stable/&gt;.</a:t>
             </a:r>
           </a:p>
         </p:txBody>
@@ -9779,13 +9857,13 @@
   <p:clrMapOvr>
     <a:masterClrMapping/>
   </p:clrMapOvr>
-  <mc:AlternateContent xmlns:mc="http://schemas.openxmlformats.org/markup-compatibility/2006">
-    <mc:Choice xmlns:p14="http://schemas.microsoft.com/office/powerpoint/2010/main" Requires="p14">
+  <mc:AlternateContent xmlns:mc="http://schemas.openxmlformats.org/markup-compatibility/2006" xmlns:p14="http://schemas.microsoft.com/office/powerpoint/2010/main">
+    <mc:Choice Requires="p14">
       <p:transition spd="slow" p14:dur="1600">
         <p14:gallery dir="l"/>
       </p:transition>
     </mc:Choice>
-    <mc:Fallback>
+    <mc:Fallback xmlns="">
       <p:transition spd="slow">
         <p:fade/>
       </p:transition>
@@ -9970,13 +10048,13 @@
   <p:clrMapOvr>
     <a:masterClrMapping/>
   </p:clrMapOvr>
-  <mc:AlternateContent xmlns:mc="http://schemas.openxmlformats.org/markup-compatibility/2006">
-    <mc:Choice xmlns:p14="http://schemas.microsoft.com/office/powerpoint/2010/main" Requires="p14">
+  <mc:AlternateContent xmlns:mc="http://schemas.openxmlformats.org/markup-compatibility/2006" xmlns:p14="http://schemas.microsoft.com/office/powerpoint/2010/main">
+    <mc:Choice Requires="p14">
       <p:transition spd="slow" p14:dur="1600">
         <p14:gallery dir="l"/>
       </p:transition>
     </mc:Choice>
-    <mc:Fallback>
+    <mc:Fallback xmlns="">
       <p:transition spd="slow">
         <p:fade/>
       </p:transition>
@@ -10200,13 +10278,13 @@
   <p:clrMapOvr>
     <a:masterClrMapping/>
   </p:clrMapOvr>
-  <mc:AlternateContent xmlns:mc="http://schemas.openxmlformats.org/markup-compatibility/2006">
-    <mc:Choice xmlns:p14="http://schemas.microsoft.com/office/powerpoint/2010/main" Requires="p14">
+  <mc:AlternateContent xmlns:mc="http://schemas.openxmlformats.org/markup-compatibility/2006" xmlns:p14="http://schemas.microsoft.com/office/powerpoint/2010/main">
+    <mc:Choice Requires="p14">
       <p:transition spd="slow" p14:dur="1600">
         <p14:gallery dir="l"/>
       </p:transition>
     </mc:Choice>
-    <mc:Fallback>
+    <mc:Fallback xmlns="">
       <p:transition spd="slow">
         <p:fade/>
       </p:transition>
@@ -10418,13 +10496,13 @@
   <p:clrMapOvr>
     <a:masterClrMapping/>
   </p:clrMapOvr>
-  <mc:AlternateContent xmlns:mc="http://schemas.openxmlformats.org/markup-compatibility/2006">
-    <mc:Choice xmlns:p14="http://schemas.microsoft.com/office/powerpoint/2010/main" Requires="p14">
+  <mc:AlternateContent xmlns:mc="http://schemas.openxmlformats.org/markup-compatibility/2006" xmlns:p14="http://schemas.microsoft.com/office/powerpoint/2010/main">
+    <mc:Choice Requires="p14">
       <p:transition spd="slow" p14:dur="1600">
         <p14:gallery dir="l"/>
       </p:transition>
     </mc:Choice>
-    <mc:Fallback>
+    <mc:Fallback xmlns="">
       <p:transition spd="slow">
         <p:fade/>
       </p:transition>
@@ -10739,13 +10817,13 @@
   <p:clrMapOvr>
     <a:masterClrMapping/>
   </p:clrMapOvr>
-  <mc:AlternateContent xmlns:mc="http://schemas.openxmlformats.org/markup-compatibility/2006">
-    <mc:Choice xmlns:p14="http://schemas.microsoft.com/office/powerpoint/2010/main" Requires="p14">
+  <mc:AlternateContent xmlns:mc="http://schemas.openxmlformats.org/markup-compatibility/2006" xmlns:p14="http://schemas.microsoft.com/office/powerpoint/2010/main">
+    <mc:Choice Requires="p14">
       <p:transition spd="slow" p14:dur="1600">
         <p14:gallery dir="l"/>
       </p:transition>
     </mc:Choice>
-    <mc:Fallback>
+    <mc:Fallback xmlns="">
       <p:transition spd="slow">
         <p:fade/>
       </p:transition>
@@ -10980,13 +11058,13 @@
   <p:clrMapOvr>
     <a:masterClrMapping/>
   </p:clrMapOvr>
-  <mc:AlternateContent xmlns:mc="http://schemas.openxmlformats.org/markup-compatibility/2006">
-    <mc:Choice xmlns:p14="http://schemas.microsoft.com/office/powerpoint/2010/main" Requires="p14">
+  <mc:AlternateContent xmlns:mc="http://schemas.openxmlformats.org/markup-compatibility/2006" xmlns:p14="http://schemas.microsoft.com/office/powerpoint/2010/main">
+    <mc:Choice Requires="p14">
       <p:transition spd="slow" p14:dur="1600">
         <p14:gallery dir="l"/>
       </p:transition>
     </mc:Choice>
-    <mc:Fallback>
+    <mc:Fallback xmlns="">
       <p:transition spd="slow">
         <p:fade/>
       </p:transition>
@@ -11268,13 +11346,13 @@
   <p:clrMapOvr>
     <a:masterClrMapping/>
   </p:clrMapOvr>
-  <mc:AlternateContent xmlns:mc="http://schemas.openxmlformats.org/markup-compatibility/2006">
-    <mc:Choice xmlns:p14="http://schemas.microsoft.com/office/powerpoint/2010/main" Requires="p14">
+  <mc:AlternateContent xmlns:mc="http://schemas.openxmlformats.org/markup-compatibility/2006" xmlns:p14="http://schemas.microsoft.com/office/powerpoint/2010/main">
+    <mc:Choice Requires="p14">
       <p:transition spd="slow" p14:dur="1600">
         <p14:gallery dir="l"/>
       </p:transition>
     </mc:Choice>
-    <mc:Fallback>
+    <mc:Fallback xmlns="">
       <p:transition spd="slow">
         <p:fade/>
       </p:transition>
@@ -11524,13 +11602,13 @@
   <p:clrMapOvr>
     <a:masterClrMapping/>
   </p:clrMapOvr>
-  <mc:AlternateContent xmlns:mc="http://schemas.openxmlformats.org/markup-compatibility/2006">
-    <mc:Choice xmlns:p14="http://schemas.microsoft.com/office/powerpoint/2010/main" Requires="p14">
+  <mc:AlternateContent xmlns:mc="http://schemas.openxmlformats.org/markup-compatibility/2006" xmlns:p14="http://schemas.microsoft.com/office/powerpoint/2010/main">
+    <mc:Choice Requires="p14">
       <p:transition spd="slow" p14:dur="1600">
         <p14:gallery dir="l"/>
       </p:transition>
     </mc:Choice>
-    <mc:Fallback>
+    <mc:Fallback xmlns="">
       <p:transition spd="slow">
         <p:fade/>
       </p:transition>
@@ -11746,13 +11824,13 @@
   <p:clrMapOvr>
     <a:masterClrMapping/>
   </p:clrMapOvr>
-  <mc:AlternateContent xmlns:mc="http://schemas.openxmlformats.org/markup-compatibility/2006">
-    <mc:Choice xmlns:p14="http://schemas.microsoft.com/office/powerpoint/2010/main" Requires="p14">
+  <mc:AlternateContent xmlns:mc="http://schemas.openxmlformats.org/markup-compatibility/2006" xmlns:p14="http://schemas.microsoft.com/office/powerpoint/2010/main">
+    <mc:Choice Requires="p14">
       <p:transition spd="slow" p14:dur="1600">
         <p14:gallery dir="l"/>
       </p:transition>
     </mc:Choice>
-    <mc:Fallback>
+    <mc:Fallback xmlns="">
       <p:transition spd="slow">
         <p:fade/>
       </p:transition>
